--- a/sessions/202410/grafana-and-friends-meetup-chennai/presentation/Performance_Testing_with_k6_v1.pptx
+++ b/sessions/202410/grafana-and-friends-meetup-chennai/presentation/Performance_Testing_with_k6_v1.pptx
@@ -5,7 +5,7 @@
     <p:sldMasterId id="2147483648" r:id="rId1"/>
   </p:sldMasterIdLst>
   <p:notesMasterIdLst>
-    <p:notesMasterId r:id="rId15"/>
+    <p:notesMasterId r:id="rId16"/>
   </p:notesMasterIdLst>
   <p:sldIdLst>
     <p:sldId id="256" r:id="rId2"/>
@@ -19,8 +19,9 @@
     <p:sldId id="266" r:id="rId10"/>
     <p:sldId id="267" r:id="rId11"/>
     <p:sldId id="263" r:id="rId12"/>
-    <p:sldId id="268" r:id="rId13"/>
-    <p:sldId id="260" r:id="rId14"/>
+    <p:sldId id="270" r:id="rId13"/>
+    <p:sldId id="268" r:id="rId14"/>
+    <p:sldId id="260" r:id="rId15"/>
   </p:sldIdLst>
   <p:sldSz cx="12192000" cy="6858000"/>
   <p:notesSz cx="6858000" cy="9144000"/>
@@ -130,7 +131,7 @@
 <file path=ppt/revisionInfo.xml><?xml version="1.0" encoding="utf-8"?>
 <p1510:revInfo xmlns:a="http://schemas.openxmlformats.org/drawingml/2006/main" xmlns:r="http://schemas.openxmlformats.org/officeDocument/2006/relationships" xmlns:p1510="http://schemas.microsoft.com/office/powerpoint/2015/10/main">
   <p1510:revLst>
-    <p1510:client id="{739F4D50-ACC9-4906-8E00-8A42CE4E07FE}" v="450" dt="2024-10-03T16:34:29.361"/>
+    <p1510:client id="{739F4D50-ACC9-4906-8E00-8A42CE4E07FE}" v="454" dt="2024-10-05T02:08:30.099"/>
   </p1510:revLst>
 </p1510:revInfo>
 </file>
@@ -140,7 +141,7 @@
   <pc:docChgLst>
     <pc:chgData name="Dhanasekaran, Chandra Mohan" userId="be6597bd-608a-4a84-805b-f8edbaba86e2" providerId="ADAL" clId="{739F4D50-ACC9-4906-8E00-8A42CE4E07FE}"/>
     <pc:docChg chg="undo custSel addSld delSld modSld sldOrd">
-      <pc:chgData name="Dhanasekaran, Chandra Mohan" userId="be6597bd-608a-4a84-805b-f8edbaba86e2" providerId="ADAL" clId="{739F4D50-ACC9-4906-8E00-8A42CE4E07FE}" dt="2024-10-03T18:44:13.028" v="1847" actId="1076"/>
+      <pc:chgData name="Dhanasekaran, Chandra Mohan" userId="be6597bd-608a-4a84-805b-f8edbaba86e2" providerId="ADAL" clId="{739F4D50-ACC9-4906-8E00-8A42CE4E07FE}" dt="2024-10-05T02:08:41.814" v="1957" actId="14100"/>
       <pc:docMkLst>
         <pc:docMk/>
       </pc:docMkLst>
@@ -1321,6 +1322,53 @@
           </ac:picMkLst>
         </pc:picChg>
       </pc:sldChg>
+      <pc:sldChg chg="addSp delSp modSp new mod setBg">
+        <pc:chgData name="Dhanasekaran, Chandra Mohan" userId="be6597bd-608a-4a84-805b-f8edbaba86e2" providerId="ADAL" clId="{739F4D50-ACC9-4906-8E00-8A42CE4E07FE}" dt="2024-10-05T02:08:41.814" v="1957" actId="14100"/>
+        <pc:sldMkLst>
+          <pc:docMk/>
+          <pc:sldMk cId="3923505842" sldId="270"/>
+        </pc:sldMkLst>
+        <pc:spChg chg="del mod">
+          <ac:chgData name="Dhanasekaran, Chandra Mohan" userId="be6597bd-608a-4a84-805b-f8edbaba86e2" providerId="ADAL" clId="{739F4D50-ACC9-4906-8E00-8A42CE4E07FE}" dt="2024-10-05T02:00:40.688" v="1851" actId="478"/>
+          <ac:spMkLst>
+            <pc:docMk/>
+            <pc:sldMk cId="3923505842" sldId="270"/>
+            <ac:spMk id="2" creationId="{DA1CD47B-4F25-DF9F-84EF-5403C5A70A1F}"/>
+          </ac:spMkLst>
+        </pc:spChg>
+        <pc:spChg chg="del mod">
+          <ac:chgData name="Dhanasekaran, Chandra Mohan" userId="be6597bd-608a-4a84-805b-f8edbaba86e2" providerId="ADAL" clId="{739F4D50-ACC9-4906-8E00-8A42CE4E07FE}" dt="2024-10-05T02:00:37.183" v="1850" actId="478"/>
+          <ac:spMkLst>
+            <pc:docMk/>
+            <pc:sldMk cId="3923505842" sldId="270"/>
+            <ac:spMk id="3" creationId="{B3993A77-2846-2515-5902-8F070E0D78FA}"/>
+          </ac:spMkLst>
+        </pc:spChg>
+        <pc:spChg chg="add mod">
+          <ac:chgData name="Dhanasekaran, Chandra Mohan" userId="be6597bd-608a-4a84-805b-f8edbaba86e2" providerId="ADAL" clId="{739F4D50-ACC9-4906-8E00-8A42CE4E07FE}" dt="2024-10-05T02:07:24.241" v="1953" actId="113"/>
+          <ac:spMkLst>
+            <pc:docMk/>
+            <pc:sldMk cId="3923505842" sldId="270"/>
+            <ac:spMk id="6" creationId="{DD194F77-4B02-0944-F8DD-5D3725F2D866}"/>
+          </ac:spMkLst>
+        </pc:spChg>
+        <pc:picChg chg="add mod">
+          <ac:chgData name="Dhanasekaran, Chandra Mohan" userId="be6597bd-608a-4a84-805b-f8edbaba86e2" providerId="ADAL" clId="{739F4D50-ACC9-4906-8E00-8A42CE4E07FE}" dt="2024-10-05T02:08:35.500" v="1955" actId="1076"/>
+          <ac:picMkLst>
+            <pc:docMk/>
+            <pc:sldMk cId="3923505842" sldId="270"/>
+            <ac:picMk id="5" creationId="{5212DD0B-AFC1-2637-98BD-904EEEEC8D80}"/>
+          </ac:picMkLst>
+        </pc:picChg>
+        <pc:picChg chg="add mod">
+          <ac:chgData name="Dhanasekaran, Chandra Mohan" userId="be6597bd-608a-4a84-805b-f8edbaba86e2" providerId="ADAL" clId="{739F4D50-ACC9-4906-8E00-8A42CE4E07FE}" dt="2024-10-05T02:08:41.814" v="1957" actId="14100"/>
+          <ac:picMkLst>
+            <pc:docMk/>
+            <pc:sldMk cId="3923505842" sldId="270"/>
+            <ac:picMk id="8" creationId="{310DE3F3-4FE5-4A87-5D20-1187D3CB20B6}"/>
+          </ac:picMkLst>
+        </pc:picChg>
+      </pc:sldChg>
     </pc:docChg>
   </pc:docChgLst>
 </pc:chgInfo>
@@ -1408,7 +1456,7 @@
           <a:p>
             <a:fld id="{C07775DD-CB7F-491C-A6BC-FF4737A9A406}" type="datetimeFigureOut">
               <a:rPr lang="en-US" smtClean="0"/>
-              <a:t>10/3/2024</a:t>
+              <a:t>10/5/2024</a:t>
             </a:fld>
             <a:endParaRPr lang="en-US"/>
           </a:p>
@@ -2242,7 +2290,7 @@
           <a:p>
             <a:fld id="{26616802-18A5-4B19-9A7A-48E8D4E8F3A1}" type="datetimeFigureOut">
               <a:rPr lang="en-US" smtClean="0"/>
-              <a:t>10/3/2024</a:t>
+              <a:t>10/5/2024</a:t>
             </a:fld>
             <a:endParaRPr lang="en-US"/>
           </a:p>
@@ -2440,7 +2488,7 @@
           <a:p>
             <a:fld id="{26616802-18A5-4B19-9A7A-48E8D4E8F3A1}" type="datetimeFigureOut">
               <a:rPr lang="en-US" smtClean="0"/>
-              <a:t>10/3/2024</a:t>
+              <a:t>10/5/2024</a:t>
             </a:fld>
             <a:endParaRPr lang="en-US"/>
           </a:p>
@@ -2648,7 +2696,7 @@
           <a:p>
             <a:fld id="{26616802-18A5-4B19-9A7A-48E8D4E8F3A1}" type="datetimeFigureOut">
               <a:rPr lang="en-US" smtClean="0"/>
-              <a:t>10/3/2024</a:t>
+              <a:t>10/5/2024</a:t>
             </a:fld>
             <a:endParaRPr lang="en-US"/>
           </a:p>
@@ -2846,7 +2894,7 @@
           <a:p>
             <a:fld id="{26616802-18A5-4B19-9A7A-48E8D4E8F3A1}" type="datetimeFigureOut">
               <a:rPr lang="en-US" smtClean="0"/>
-              <a:t>10/3/2024</a:t>
+              <a:t>10/5/2024</a:t>
             </a:fld>
             <a:endParaRPr lang="en-US"/>
           </a:p>
@@ -3121,7 +3169,7 @@
           <a:p>
             <a:fld id="{26616802-18A5-4B19-9A7A-48E8D4E8F3A1}" type="datetimeFigureOut">
               <a:rPr lang="en-US" smtClean="0"/>
-              <a:t>10/3/2024</a:t>
+              <a:t>10/5/2024</a:t>
             </a:fld>
             <a:endParaRPr lang="en-US"/>
           </a:p>
@@ -3386,7 +3434,7 @@
           <a:p>
             <a:fld id="{26616802-18A5-4B19-9A7A-48E8D4E8F3A1}" type="datetimeFigureOut">
               <a:rPr lang="en-US" smtClean="0"/>
-              <a:t>10/3/2024</a:t>
+              <a:t>10/5/2024</a:t>
             </a:fld>
             <a:endParaRPr lang="en-US"/>
           </a:p>
@@ -3798,7 +3846,7 @@
           <a:p>
             <a:fld id="{26616802-18A5-4B19-9A7A-48E8D4E8F3A1}" type="datetimeFigureOut">
               <a:rPr lang="en-US" smtClean="0"/>
-              <a:t>10/3/2024</a:t>
+              <a:t>10/5/2024</a:t>
             </a:fld>
             <a:endParaRPr lang="en-US"/>
           </a:p>
@@ -3939,7 +3987,7 @@
           <a:p>
             <a:fld id="{26616802-18A5-4B19-9A7A-48E8D4E8F3A1}" type="datetimeFigureOut">
               <a:rPr lang="en-US" smtClean="0"/>
-              <a:t>10/3/2024</a:t>
+              <a:t>10/5/2024</a:t>
             </a:fld>
             <a:endParaRPr lang="en-US"/>
           </a:p>
@@ -4052,7 +4100,7 @@
           <a:p>
             <a:fld id="{26616802-18A5-4B19-9A7A-48E8D4E8F3A1}" type="datetimeFigureOut">
               <a:rPr lang="en-US" smtClean="0"/>
-              <a:t>10/3/2024</a:t>
+              <a:t>10/5/2024</a:t>
             </a:fld>
             <a:endParaRPr lang="en-US"/>
           </a:p>
@@ -4363,7 +4411,7 @@
           <a:p>
             <a:fld id="{26616802-18A5-4B19-9A7A-48E8D4E8F3A1}" type="datetimeFigureOut">
               <a:rPr lang="en-US" smtClean="0"/>
-              <a:t>10/3/2024</a:t>
+              <a:t>10/5/2024</a:t>
             </a:fld>
             <a:endParaRPr lang="en-US"/>
           </a:p>
@@ -4651,7 +4699,7 @@
           <a:p>
             <a:fld id="{26616802-18A5-4B19-9A7A-48E8D4E8F3A1}" type="datetimeFigureOut">
               <a:rPr lang="en-US" smtClean="0"/>
-              <a:t>10/3/2024</a:t>
+              <a:t>10/5/2024</a:t>
             </a:fld>
             <a:endParaRPr lang="en-US"/>
           </a:p>
@@ -4892,7 +4940,7 @@
           <a:p>
             <a:fld id="{26616802-18A5-4B19-9A7A-48E8D4E8F3A1}" type="datetimeFigureOut">
               <a:rPr lang="en-US" smtClean="0"/>
-              <a:t>10/3/2024</a:t>
+              <a:t>10/5/2024</a:t>
             </a:fld>
             <a:endParaRPr lang="en-US"/>
           </a:p>
@@ -6908,6 +6956,186 @@
       </p:grpSpPr>
       <p:pic>
         <p:nvPicPr>
+          <p:cNvPr id="5" name="Picture 4" descr="A qr code with blue squares">
+            <a:extLst>
+              <a:ext uri="{FF2B5EF4-FFF2-40B4-BE49-F238E27FC236}">
+                <a16:creationId xmlns:a16="http://schemas.microsoft.com/office/drawing/2014/main" id="{5212DD0B-AFC1-2637-98BD-904EEEEC8D80}"/>
+              </a:ext>
+            </a:extLst>
+          </p:cNvPr>
+          <p:cNvPicPr>
+            <a:picLocks noChangeAspect="1"/>
+          </p:cNvPicPr>
+          <p:nvPr/>
+        </p:nvPicPr>
+        <p:blipFill>
+          <a:blip r:embed="rId3">
+            <a:extLst>
+              <a:ext uri="{28A0092B-C50C-407E-A947-70E740481C1C}">
+                <a14:useLocalDpi xmlns:a14="http://schemas.microsoft.com/office/drawing/2010/main" val="0"/>
+              </a:ext>
+            </a:extLst>
+          </a:blip>
+          <a:stretch>
+            <a:fillRect/>
+          </a:stretch>
+        </p:blipFill>
+        <p:spPr>
+          <a:xfrm>
+            <a:off x="5893095" y="589221"/>
+            <a:ext cx="5509437" cy="5509437"/>
+          </a:xfrm>
+          <a:prstGeom prst="rect">
+            <a:avLst/>
+          </a:prstGeom>
+        </p:spPr>
+      </p:pic>
+      <p:sp>
+        <p:nvSpPr>
+          <p:cNvPr id="6" name="TextBox 5">
+            <a:extLst>
+              <a:ext uri="{FF2B5EF4-FFF2-40B4-BE49-F238E27FC236}">
+                <a16:creationId xmlns:a16="http://schemas.microsoft.com/office/drawing/2014/main" id="{DD194F77-4B02-0944-F8DD-5D3725F2D866}"/>
+              </a:ext>
+            </a:extLst>
+          </p:cNvPr>
+          <p:cNvSpPr txBox="1"/>
+          <p:nvPr/>
+        </p:nvSpPr>
+        <p:spPr>
+          <a:xfrm>
+            <a:off x="1414130" y="1659285"/>
+            <a:ext cx="2711301" cy="3539430"/>
+          </a:xfrm>
+          <a:prstGeom prst="rect">
+            <a:avLst/>
+          </a:prstGeom>
+          <a:noFill/>
+        </p:spPr>
+        <p:txBody>
+          <a:bodyPr wrap="square" rtlCol="0">
+            <a:spAutoFit/>
+          </a:bodyPr>
+          <a:lstStyle/>
+          <a:p>
+            <a:r>
+              <a:rPr lang="en-US" sz="3200" b="1" dirty="0"/>
+              <a:t>Session</a:t>
+            </a:r>
+          </a:p>
+          <a:p>
+            <a:r>
+              <a:rPr lang="en-US" sz="3200" b="1" dirty="0"/>
+              <a:t>Presentation and</a:t>
+            </a:r>
+          </a:p>
+          <a:p>
+            <a:r>
+              <a:rPr lang="en-US" sz="3200" b="1" dirty="0"/>
+              <a:t>demo code</a:t>
+            </a:r>
+          </a:p>
+          <a:p>
+            <a:r>
+              <a:rPr lang="en-US" sz="3200" b="1" dirty="0"/>
+              <a:t>can be accessed</a:t>
+            </a:r>
+          </a:p>
+          <a:p>
+            <a:r>
+              <a:rPr lang="en-US" sz="3200" b="1" dirty="0"/>
+              <a:t>from here</a:t>
+            </a:r>
+          </a:p>
+        </p:txBody>
+      </p:sp>
+      <p:pic>
+        <p:nvPicPr>
+          <p:cNvPr id="8" name="Graphic 7" descr="Arrow: Slight curve with solid fill">
+            <a:extLst>
+              <a:ext uri="{FF2B5EF4-FFF2-40B4-BE49-F238E27FC236}">
+                <a16:creationId xmlns:a16="http://schemas.microsoft.com/office/drawing/2014/main" id="{310DE3F3-4FE5-4A87-5D20-1187D3CB20B6}"/>
+              </a:ext>
+            </a:extLst>
+          </p:cNvPr>
+          <p:cNvPicPr>
+            <a:picLocks noChangeAspect="1"/>
+          </p:cNvPicPr>
+          <p:nvPr/>
+        </p:nvPicPr>
+        <p:blipFill>
+          <a:blip r:embed="rId4">
+            <a:extLst>
+              <a:ext uri="{96DAC541-7B7A-43D3-8B79-37D633B846F1}">
+                <asvg:svgBlip xmlns:asvg="http://schemas.microsoft.com/office/drawing/2016/SVG/main" r:embed="rId5"/>
+              </a:ext>
+            </a:extLst>
+          </a:blip>
+          <a:stretch>
+            <a:fillRect/>
+          </a:stretch>
+        </p:blipFill>
+        <p:spPr>
+          <a:xfrm>
+            <a:off x="3637663" y="3620386"/>
+            <a:ext cx="1901900" cy="1901900"/>
+          </a:xfrm>
+          <a:prstGeom prst="rect">
+            <a:avLst/>
+          </a:prstGeom>
+        </p:spPr>
+      </p:pic>
+    </p:spTree>
+    <p:extLst>
+      <p:ext uri="{BB962C8B-B14F-4D97-AF65-F5344CB8AC3E}">
+        <p14:creationId xmlns:p14="http://schemas.microsoft.com/office/powerpoint/2010/main" val="3923505842"/>
+      </p:ext>
+    </p:extLst>
+  </p:cSld>
+  <p:clrMapOvr>
+    <a:overrideClrMapping bg1="lt1" tx1="dk1" bg2="lt2" tx2="dk2" accent1="accent1" accent2="accent2" accent3="accent3" accent4="accent4" accent5="accent5" accent6="accent6" hlink="hlink" folHlink="folHlink"/>
+  </p:clrMapOvr>
+</p:sld>
+</file>
+
+<file path=ppt/slides/slide13.xml><?xml version="1.0" encoding="utf-8"?>
+<p:sld xmlns:a="http://schemas.openxmlformats.org/drawingml/2006/main" xmlns:r="http://schemas.openxmlformats.org/officeDocument/2006/relationships" xmlns:p="http://schemas.openxmlformats.org/presentationml/2006/main">
+  <p:cSld>
+    <p:bg>
+      <p:bgPr>
+        <a:gradFill>
+          <a:gsLst>
+            <a:gs pos="0">
+              <a:srgbClr val="FFDD71"/>
+            </a:gs>
+            <a:gs pos="90000">
+              <a:srgbClr val="F7CBB3"/>
+            </a:gs>
+            <a:gs pos="100000">
+              <a:srgbClr val="FFF3CD"/>
+            </a:gs>
+          </a:gsLst>
+          <a:lin ang="5400000" scaled="1"/>
+        </a:gradFill>
+        <a:effectLst/>
+      </p:bgPr>
+    </p:bg>
+    <p:spTree>
+      <p:nvGrpSpPr>
+        <p:cNvPr id="1" name=""/>
+        <p:cNvGrpSpPr/>
+        <p:nvPr/>
+      </p:nvGrpSpPr>
+      <p:grpSpPr>
+        <a:xfrm>
+          <a:off x="0" y="0"/>
+          <a:ext cx="0" cy="0"/>
+          <a:chOff x="0" y="0"/>
+          <a:chExt cx="0" cy="0"/>
+        </a:xfrm>
+      </p:grpSpPr>
+      <p:pic>
+        <p:nvPicPr>
           <p:cNvPr id="1028" name="Picture 4" descr="R.7eab6a3bf41f0580c5447af06367474f (402×431)">
             <a:extLst>
               <a:ext uri="{FF2B5EF4-FFF2-40B4-BE49-F238E27FC236}">
@@ -7075,7 +7303,7 @@
 </p:sld>
 </file>
 
-<file path=ppt/slides/slide13.xml><?xml version="1.0" encoding="utf-8"?>
+<file path=ppt/slides/slide14.xml><?xml version="1.0" encoding="utf-8"?>
 <p:sld xmlns:a="http://schemas.openxmlformats.org/drawingml/2006/main" xmlns:r="http://schemas.openxmlformats.org/officeDocument/2006/relationships" xmlns:p="http://schemas.openxmlformats.org/presentationml/2006/main">
   <p:cSld>
     <p:bg>
@@ -18616,6 +18844,49 @@
 </a:themeOverride>
 </file>
 
+<file path=ppt/theme/themeOverride12.xml><?xml version="1.0" encoding="utf-8"?>
+<a:themeOverride xmlns:a="http://schemas.openxmlformats.org/drawingml/2006/main">
+  <a:clrScheme name="Office">
+    <a:dk1>
+      <a:sysClr val="windowText" lastClr="000000"/>
+    </a:dk1>
+    <a:lt1>
+      <a:sysClr val="window" lastClr="FFFFFF"/>
+    </a:lt1>
+    <a:dk2>
+      <a:srgbClr val="0E2841"/>
+    </a:dk2>
+    <a:lt2>
+      <a:srgbClr val="E8E8E8"/>
+    </a:lt2>
+    <a:accent1>
+      <a:srgbClr val="156082"/>
+    </a:accent1>
+    <a:accent2>
+      <a:srgbClr val="E97132"/>
+    </a:accent2>
+    <a:accent3>
+      <a:srgbClr val="196B24"/>
+    </a:accent3>
+    <a:accent4>
+      <a:srgbClr val="0F9ED5"/>
+    </a:accent4>
+    <a:accent5>
+      <a:srgbClr val="A02B93"/>
+    </a:accent5>
+    <a:accent6>
+      <a:srgbClr val="4EA72E"/>
+    </a:accent6>
+    <a:hlink>
+      <a:srgbClr val="467886"/>
+    </a:hlink>
+    <a:folHlink>
+      <a:srgbClr val="96607D"/>
+    </a:folHlink>
+  </a:clrScheme>
+</a:themeOverride>
+</file>
+
 <file path=ppt/theme/themeOverride2.xml><?xml version="1.0" encoding="utf-8"?>
 <a:themeOverride xmlns:a="http://schemas.openxmlformats.org/drawingml/2006/main">
   <a:clrScheme name="Office">
